--- a/trunk/9. Presentation/AS_DeadlineTeam_Week9.pptx
+++ b/trunk/9. Presentation/AS_DeadlineTeam_Week9.pptx
@@ -259,7 +259,7 @@
           <a:p>
             <a:fld id="{6D892D68-995E-4539-9486-B6D10005290E}" type="datetimeFigureOut">
               <a:rPr lang="vi-VN" smtClean="0"/>
-              <a:t>01/01/2014</a:t>
+              <a:t>02/01/2014</a:t>
             </a:fld>
             <a:endParaRPr lang="vi-VN"/>
           </a:p>
@@ -429,7 +429,7 @@
           <a:p>
             <a:fld id="{6D892D68-995E-4539-9486-B6D10005290E}" type="datetimeFigureOut">
               <a:rPr lang="vi-VN" smtClean="0"/>
-              <a:t>01/01/2014</a:t>
+              <a:t>02/01/2014</a:t>
             </a:fld>
             <a:endParaRPr lang="vi-VN"/>
           </a:p>
@@ -609,7 +609,7 @@
           <a:p>
             <a:fld id="{6D892D68-995E-4539-9486-B6D10005290E}" type="datetimeFigureOut">
               <a:rPr lang="vi-VN" smtClean="0"/>
-              <a:t>01/01/2014</a:t>
+              <a:t>02/01/2014</a:t>
             </a:fld>
             <a:endParaRPr lang="vi-VN"/>
           </a:p>
@@ -779,7 +779,7 @@
           <a:p>
             <a:fld id="{6D892D68-995E-4539-9486-B6D10005290E}" type="datetimeFigureOut">
               <a:rPr lang="vi-VN" smtClean="0"/>
-              <a:t>01/01/2014</a:t>
+              <a:t>02/01/2014</a:t>
             </a:fld>
             <a:endParaRPr lang="vi-VN"/>
           </a:p>
@@ -1025,7 +1025,7 @@
           <a:p>
             <a:fld id="{6D892D68-995E-4539-9486-B6D10005290E}" type="datetimeFigureOut">
               <a:rPr lang="vi-VN" smtClean="0"/>
-              <a:t>01/01/2014</a:t>
+              <a:t>02/01/2014</a:t>
             </a:fld>
             <a:endParaRPr lang="vi-VN"/>
           </a:p>
@@ -1257,7 +1257,7 @@
           <a:p>
             <a:fld id="{6D892D68-995E-4539-9486-B6D10005290E}" type="datetimeFigureOut">
               <a:rPr lang="vi-VN" smtClean="0"/>
-              <a:t>01/01/2014</a:t>
+              <a:t>02/01/2014</a:t>
             </a:fld>
             <a:endParaRPr lang="vi-VN"/>
           </a:p>
@@ -1624,7 +1624,7 @@
           <a:p>
             <a:fld id="{6D892D68-995E-4539-9486-B6D10005290E}" type="datetimeFigureOut">
               <a:rPr lang="vi-VN" smtClean="0"/>
-              <a:t>01/01/2014</a:t>
+              <a:t>02/01/2014</a:t>
             </a:fld>
             <a:endParaRPr lang="vi-VN"/>
           </a:p>
@@ -1742,7 +1742,7 @@
           <a:p>
             <a:fld id="{6D892D68-995E-4539-9486-B6D10005290E}" type="datetimeFigureOut">
               <a:rPr lang="vi-VN" smtClean="0"/>
-              <a:t>01/01/2014</a:t>
+              <a:t>02/01/2014</a:t>
             </a:fld>
             <a:endParaRPr lang="vi-VN"/>
           </a:p>
@@ -1837,7 +1837,7 @@
           <a:p>
             <a:fld id="{6D892D68-995E-4539-9486-B6D10005290E}" type="datetimeFigureOut">
               <a:rPr lang="vi-VN" smtClean="0"/>
-              <a:t>01/01/2014</a:t>
+              <a:t>02/01/2014</a:t>
             </a:fld>
             <a:endParaRPr lang="vi-VN"/>
           </a:p>
@@ -2114,7 +2114,7 @@
           <a:p>
             <a:fld id="{6D892D68-995E-4539-9486-B6D10005290E}" type="datetimeFigureOut">
               <a:rPr lang="vi-VN" smtClean="0"/>
-              <a:t>01/01/2014</a:t>
+              <a:t>02/01/2014</a:t>
             </a:fld>
             <a:endParaRPr lang="vi-VN"/>
           </a:p>
@@ -2367,7 +2367,7 @@
           <a:p>
             <a:fld id="{6D892D68-995E-4539-9486-B6D10005290E}" type="datetimeFigureOut">
               <a:rPr lang="vi-VN" smtClean="0"/>
-              <a:t>01/01/2014</a:t>
+              <a:t>02/01/2014</a:t>
             </a:fld>
             <a:endParaRPr lang="vi-VN"/>
           </a:p>
@@ -2580,7 +2580,7 @@
           <a:p>
             <a:fld id="{6D892D68-995E-4539-9486-B6D10005290E}" type="datetimeFigureOut">
               <a:rPr lang="vi-VN" smtClean="0"/>
-              <a:t>01/01/2014</a:t>
+              <a:t>02/01/2014</a:t>
             </a:fld>
             <a:endParaRPr lang="vi-VN"/>
           </a:p>
@@ -3129,19 +3129,7 @@
                 <a:latin typeface="Arial" panose="020B0604020202020204" pitchFamily="34" charset="0"/>
                 <a:cs typeface="Arial" panose="020B0604020202020204" pitchFamily="34" charset="0"/>
               </a:rPr>
-              <a:t> (26/12/2013-31/12/2013</a:t>
-            </a:r>
-            <a:r>
-              <a:rPr lang="en-US" sz="2000" dirty="0" smtClean="0">
-                <a:solidFill>
-                  <a:schemeClr val="accent5">
-                    <a:lumMod val="50000"/>
-                  </a:schemeClr>
-                </a:solidFill>
-                <a:latin typeface="Arial" panose="020B0604020202020204" pitchFamily="34" charset="0"/>
-                <a:cs typeface="Arial" panose="020B0604020202020204" pitchFamily="34" charset="0"/>
-              </a:rPr>
-              <a:t>)</a:t>
+              <a:t> (26/12/2013-31/12/2013)</a:t>
             </a:r>
           </a:p>
           <a:p>
@@ -4074,7 +4062,7 @@
         </p:nvSpPr>
         <p:spPr>
           <a:xfrm>
-            <a:off x="1876667" y="3098335"/>
+            <a:off x="1876667" y="3003335"/>
             <a:ext cx="4701863" cy="369332"/>
           </a:xfrm>
           <a:prstGeom prst="rect">
@@ -4106,7 +4094,7 @@
         </p:nvSpPr>
         <p:spPr>
           <a:xfrm>
-            <a:off x="1898442" y="3785127"/>
+            <a:off x="1898442" y="3500118"/>
             <a:ext cx="4701863" cy="369332"/>
           </a:xfrm>
           <a:prstGeom prst="rect">
@@ -4166,6 +4154,42 @@
             <a:r>
               <a:rPr lang="en-US" dirty="0" smtClean="0"/>
               <a:t>.</a:t>
+            </a:r>
+          </a:p>
+        </p:txBody>
+      </p:sp>
+      <p:sp>
+        <p:nvSpPr>
+          <p:cNvPr id="12" name="Rectangle 11"/>
+          <p:cNvSpPr/>
+          <p:nvPr/>
+        </p:nvSpPr>
+        <p:spPr>
+          <a:xfrm>
+            <a:off x="1896467" y="3996899"/>
+            <a:ext cx="4701863" cy="369332"/>
+          </a:xfrm>
+          <a:prstGeom prst="rect">
+            <a:avLst/>
+          </a:prstGeom>
+        </p:spPr>
+        <p:txBody>
+          <a:bodyPr wrap="square">
+            <a:spAutoFit/>
+          </a:bodyPr>
+          <a:lstStyle/>
+          <a:p>
+            <a:pPr marL="285750" indent="-285750">
+              <a:buFont typeface="Wingdings" panose="05000000000000000000" pitchFamily="2" charset="2"/>
+              <a:buChar char="q"/>
+            </a:pPr>
+            <a:r>
+              <a:rPr lang="en-US" dirty="0" smtClean="0"/>
+              <a:t>Update </a:t>
+            </a:r>
+            <a:r>
+              <a:rPr lang="en-US" dirty="0" smtClean="0"/>
+              <a:t>architect design plan</a:t>
             </a:r>
             <a:endParaRPr lang="en-US" dirty="0" smtClean="0"/>
           </a:p>
@@ -4718,11 +4742,7 @@
             </a:r>
             <a:r>
               <a:rPr lang="en-US" dirty="0" smtClean="0"/>
-              <a:t> </a:t>
-            </a:r>
-            <a:r>
-              <a:rPr lang="en-US" dirty="0" smtClean="0"/>
-              <a:t>drivers.</a:t>
+              <a:t> drivers.</a:t>
             </a:r>
           </a:p>
           <a:p>
@@ -4736,12 +4756,13 @@
             </a:r>
             <a:r>
               <a:rPr lang="en-US" dirty="0"/>
-              <a:t>Architectural Drivers Specification with team </a:t>
+              <a:t>Architectural Drivers Specification with </a:t>
             </a:r>
             <a:r>
               <a:rPr lang="en-US" dirty="0" smtClean="0"/>
-              <a:t>members.</a:t>
-            </a:r>
+              <a:t>customer.</a:t>
+            </a:r>
+            <a:endParaRPr lang="en-US" dirty="0" smtClean="0"/>
           </a:p>
           <a:p>
             <a:pPr marL="285750" indent="-285750">

--- a/trunk/9. Presentation/AS_DeadlineTeam_Week9.pptx
+++ b/trunk/9. Presentation/AS_DeadlineTeam_Week9.pptx
@@ -4185,13 +4185,8 @@
             </a:pPr>
             <a:r>
               <a:rPr lang="en-US" dirty="0" smtClean="0"/>
-              <a:t>Update </a:t>
-            </a:r>
-            <a:r>
-              <a:rPr lang="en-US" dirty="0" smtClean="0"/>
-              <a:t>architect design plan</a:t>
-            </a:r>
-            <a:endParaRPr lang="en-US" dirty="0" smtClean="0"/>
+              <a:t>Update architect design plan</a:t>
+            </a:r>
           </a:p>
         </p:txBody>
       </p:sp>
@@ -4689,8 +4684,8 @@
         </p:nvSpPr>
         <p:spPr>
           <a:xfrm>
-            <a:off x="1549400" y="2315898"/>
-            <a:ext cx="7983418" cy="2031325"/>
+            <a:off x="1447800" y="2103150"/>
+            <a:ext cx="7983418" cy="3416320"/>
           </a:xfrm>
           <a:prstGeom prst="rect">
             <a:avLst/>
@@ -4721,10 +4716,6 @@
               <a:buFont typeface="Wingdings" panose="05000000000000000000" pitchFamily="2" charset="2"/>
               <a:buChar char="q"/>
             </a:pPr>
-            <a:r>
-              <a:rPr lang="en-US" dirty="0"/>
-              <a:t>Continue training spring in java </a:t>
-            </a:r>
             <a:endParaRPr lang="en-US" dirty="0" smtClean="0"/>
           </a:p>
           <a:p>
@@ -4733,35 +4724,16 @@
               <a:buChar char="q"/>
             </a:pPr>
             <a:r>
-              <a:rPr lang="en-US" dirty="0" smtClean="0"/>
-              <a:t>Priority </a:t>
-            </a:r>
-            <a:r>
-              <a:rPr lang="en-US" dirty="0" err="1" smtClean="0"/>
-              <a:t>archictecturals</a:t>
-            </a:r>
-            <a:r>
-              <a:rPr lang="en-US" dirty="0" smtClean="0"/>
-              <a:t> drivers.</a:t>
-            </a:r>
+              <a:rPr lang="en-US" dirty="0"/>
+              <a:t>Continue training spring in java </a:t>
+            </a:r>
+            <a:endParaRPr lang="en-US" dirty="0" smtClean="0"/>
           </a:p>
           <a:p>
             <a:pPr marL="285750" indent="-285750">
               <a:buFont typeface="Wingdings" panose="05000000000000000000" pitchFamily="2" charset="2"/>
               <a:buChar char="q"/>
             </a:pPr>
-            <a:r>
-              <a:rPr lang="en-US" dirty="0" smtClean="0"/>
-              <a:t>Review </a:t>
-            </a:r>
-            <a:r>
-              <a:rPr lang="en-US" dirty="0"/>
-              <a:t>Architectural Drivers Specification with </a:t>
-            </a:r>
-            <a:r>
-              <a:rPr lang="en-US" dirty="0" smtClean="0"/>
-              <a:t>customer.</a:t>
-            </a:r>
             <a:endParaRPr lang="en-US" dirty="0" smtClean="0"/>
           </a:p>
           <a:p>
@@ -4771,11 +4743,19 @@
             </a:pPr>
             <a:r>
               <a:rPr lang="en-US" dirty="0" smtClean="0"/>
-              <a:t>Create product backlog</a:t>
-            </a:r>
-            <a:r>
-              <a:rPr lang="en-US" dirty="0"/>
-              <a:t>				</a:t>
+              <a:t>Priority </a:t>
+            </a:r>
+            <a:r>
+              <a:rPr lang="en-US" dirty="0" smtClean="0"/>
+              <a:t>architectural </a:t>
+            </a:r>
+            <a:r>
+              <a:rPr lang="en-US" dirty="0" smtClean="0"/>
+              <a:t>drivers</a:t>
+            </a:r>
+            <a:r>
+              <a:rPr lang="en-US" dirty="0" smtClean="0"/>
+              <a:t>.</a:t>
             </a:r>
           </a:p>
           <a:p>
@@ -4783,6 +4763,67 @@
               <a:buFont typeface="Wingdings" panose="05000000000000000000" pitchFamily="2" charset="2"/>
               <a:buChar char="q"/>
             </a:pPr>
+            <a:endParaRPr lang="en-US" dirty="0" smtClean="0"/>
+          </a:p>
+          <a:p>
+            <a:pPr marL="285750" indent="-285750">
+              <a:buFont typeface="Wingdings" panose="05000000000000000000" pitchFamily="2" charset="2"/>
+              <a:buChar char="q"/>
+            </a:pPr>
+            <a:r>
+              <a:rPr lang="en-US" dirty="0" smtClean="0"/>
+              <a:t>Review </a:t>
+            </a:r>
+            <a:r>
+              <a:rPr lang="en-US" dirty="0"/>
+              <a:t>Architectural Drivers Specification with </a:t>
+            </a:r>
+            <a:r>
+              <a:rPr lang="en-US" dirty="0" smtClean="0"/>
+              <a:t>customer</a:t>
+            </a:r>
+            <a:r>
+              <a:rPr lang="en-US" dirty="0" smtClean="0"/>
+              <a:t>.</a:t>
+            </a:r>
+          </a:p>
+          <a:p>
+            <a:pPr marL="285750" indent="-285750">
+              <a:buFont typeface="Wingdings" panose="05000000000000000000" pitchFamily="2" charset="2"/>
+              <a:buChar char="q"/>
+            </a:pPr>
+            <a:endParaRPr lang="en-US" dirty="0" smtClean="0"/>
+          </a:p>
+          <a:p>
+            <a:pPr marL="285750" indent="-285750">
+              <a:buFont typeface="Wingdings" panose="05000000000000000000" pitchFamily="2" charset="2"/>
+              <a:buChar char="q"/>
+            </a:pPr>
+            <a:r>
+              <a:rPr lang="en-US" dirty="0" smtClean="0"/>
+              <a:t>Create product backlog</a:t>
+            </a:r>
+            <a:r>
+              <a:rPr lang="en-US" dirty="0"/>
+              <a:t>	</a:t>
+            </a:r>
+            <a:endParaRPr lang="en-US" dirty="0" smtClean="0"/>
+          </a:p>
+          <a:p>
+            <a:r>
+              <a:rPr lang="en-US" dirty="0"/>
+              <a:t>			</a:t>
+            </a:r>
+          </a:p>
+          <a:p>
+            <a:pPr marL="285750" indent="-285750">
+              <a:buFont typeface="Wingdings" panose="05000000000000000000" pitchFamily="2" charset="2"/>
+              <a:buChar char="q"/>
+            </a:pPr>
+            <a:r>
+              <a:rPr lang="en-US" dirty="0" smtClean="0"/>
+              <a:t>Design 3 perspectives</a:t>
+            </a:r>
             <a:endParaRPr lang="en-US" dirty="0" smtClean="0"/>
           </a:p>
           <a:p>
